--- a/figures/addr-space.pptx
+++ b/figures/addr-space.pptx
@@ -3119,8 +3119,8 @@
         </p:nvSpPr>
         <p:spPr>
           <a:xfrm>
-            <a:off x="957686" y="3139675"/>
-            <a:ext cx="1909770" cy="1464932"/>
+            <a:off x="957686" y="2825338"/>
+            <a:ext cx="1909770" cy="2444276"/>
           </a:xfrm>
           <a:prstGeom prst="rect">
             <a:avLst/>
@@ -3170,7 +3170,7 @@
         </p:nvSpPr>
         <p:spPr>
           <a:xfrm>
-            <a:off x="4038851" y="1341340"/>
+            <a:off x="4038851" y="1027004"/>
             <a:ext cx="2059133" cy="608767"/>
           </a:xfrm>
           <a:prstGeom prst="rect">
@@ -3235,7 +3235,7 @@
         </p:nvSpPr>
         <p:spPr>
           <a:xfrm>
-            <a:off x="804309" y="2769395"/>
+            <a:off x="804309" y="2455059"/>
             <a:ext cx="2291750" cy="369332"/>
           </a:xfrm>
           <a:prstGeom prst="rect">
@@ -3279,8 +3279,8 @@
         </p:nvSpPr>
         <p:spPr>
           <a:xfrm flipH="1">
-            <a:off x="6147575" y="1355628"/>
-            <a:ext cx="236609" cy="594480"/>
+            <a:off x="6125340" y="1041292"/>
+            <a:ext cx="258844" cy="594480"/>
           </a:xfrm>
           <a:prstGeom prst="leftBrace">
             <a:avLst>
@@ -3325,8 +3325,8 @@
         </p:nvSpPr>
         <p:spPr>
           <a:xfrm>
-            <a:off x="960060" y="4650670"/>
-            <a:ext cx="1923776" cy="528350"/>
+            <a:off x="960060" y="5307906"/>
+            <a:ext cx="1923776" cy="587340"/>
           </a:xfrm>
           <a:prstGeom prst="rect">
             <a:avLst/>
@@ -3357,11 +3357,7 @@
             </a:endParaRPr>
           </a:p>
           <a:p>
-            <a:pPr algn="ctr">
-              <a:lnSpc>
-                <a:spcPts val="1660"/>
-              </a:lnSpc>
-            </a:pPr>
+            <a:pPr algn="ctr"/>
             <a:r>
               <a:rPr lang="zh-CN" altLang="en-US" dirty="0">
                 <a:latin typeface="Arial"/>
@@ -3398,7 +3394,7 @@
         </p:nvSpPr>
         <p:spPr>
           <a:xfrm>
-            <a:off x="957686" y="3687169"/>
+            <a:off x="957686" y="3801465"/>
             <a:ext cx="1909770" cy="369332"/>
           </a:xfrm>
           <a:prstGeom prst="rect">
@@ -3442,7 +3438,7 @@
         </p:nvSpPr>
         <p:spPr>
           <a:xfrm>
-            <a:off x="204006" y="4284578"/>
+            <a:off x="204006" y="4941814"/>
             <a:ext cx="757213" cy="369332"/>
           </a:xfrm>
           <a:prstGeom prst="rect">
@@ -3485,7 +3481,7 @@
         </p:nvSpPr>
         <p:spPr>
           <a:xfrm>
-            <a:off x="3699486" y="988655"/>
+            <a:off x="3699486" y="674319"/>
             <a:ext cx="2824471" cy="369332"/>
           </a:xfrm>
           <a:prstGeom prst="rect">
@@ -3529,8 +3525,8 @@
         </p:nvSpPr>
         <p:spPr>
           <a:xfrm>
-            <a:off x="4043363" y="1939850"/>
-            <a:ext cx="2054621" cy="585635"/>
+            <a:off x="4038851" y="1625514"/>
+            <a:ext cx="2059133" cy="585635"/>
           </a:xfrm>
           <a:prstGeom prst="rect">
             <a:avLst/>
@@ -3654,8 +3650,8 @@
         </p:nvSpPr>
         <p:spPr>
           <a:xfrm>
-            <a:off x="4043363" y="2525486"/>
-            <a:ext cx="2054621" cy="616870"/>
+            <a:off x="4038851" y="2211149"/>
+            <a:ext cx="2059133" cy="611937"/>
           </a:xfrm>
           <a:prstGeom prst="rect">
             <a:avLst/>
@@ -3725,8 +3721,8 @@
         </p:nvSpPr>
         <p:spPr>
           <a:xfrm>
-            <a:off x="4038851" y="3139675"/>
-            <a:ext cx="2059133" cy="1465823"/>
+            <a:off x="4038851" y="2825339"/>
+            <a:ext cx="2059133" cy="2450445"/>
           </a:xfrm>
           <a:prstGeom prst="rect">
             <a:avLst/>
@@ -3776,7 +3772,7 @@
         </p:nvSpPr>
         <p:spPr>
           <a:xfrm>
-            <a:off x="4043363" y="3415702"/>
+            <a:off x="4043363" y="3615726"/>
             <a:ext cx="2054621" cy="646331"/>
           </a:xfrm>
           <a:prstGeom prst="rect">
@@ -3809,14 +3805,7 @@
                 <a:latin typeface="Arial"/>
                 <a:cs typeface="Arial"/>
               </a:rPr>
-              <a:t>（</a:t>
-            </a:r>
-            <a:r>
-              <a:rPr lang="zh-CN" altLang="en-US" dirty="0" smtClean="0">
-                <a:latin typeface="Arial"/>
-                <a:cs typeface="Arial"/>
-              </a:rPr>
-              <a:t>检查点区域 </a:t>
+              <a:t>（检查点区域 </a:t>
             </a:r>
             <a:r>
               <a:rPr lang="en-US" dirty="0" smtClean="0">
@@ -3847,7 +3836,7 @@
         </p:nvSpPr>
         <p:spPr>
           <a:xfrm>
-            <a:off x="3781416" y="4621162"/>
+            <a:off x="3781416" y="5278398"/>
             <a:ext cx="2828134" cy="369332"/>
           </a:xfrm>
           <a:prstGeom prst="rect">
@@ -3884,7 +3873,7 @@
         </p:nvSpPr>
         <p:spPr>
           <a:xfrm>
-            <a:off x="6369897" y="1479317"/>
+            <a:off x="6369897" y="1164981"/>
             <a:ext cx="960501" cy="369332"/>
           </a:xfrm>
           <a:prstGeom prst="rect">
@@ -3926,8 +3915,8 @@
         </p:nvSpPr>
         <p:spPr>
           <a:xfrm flipH="1">
-            <a:off x="6125340" y="1977502"/>
-            <a:ext cx="296638" cy="2634945"/>
+            <a:off x="6125340" y="1663166"/>
+            <a:ext cx="258844" cy="3606448"/>
           </a:xfrm>
           <a:prstGeom prst="leftBrace">
             <a:avLst>
@@ -3972,7 +3961,7 @@
         </p:nvSpPr>
         <p:spPr>
           <a:xfrm>
-            <a:off x="6406944" y="2911191"/>
+            <a:off x="6406944" y="3011193"/>
             <a:ext cx="746461" cy="369332"/>
           </a:xfrm>
           <a:prstGeom prst="rect">
@@ -4014,7 +4003,7 @@
         </p:nvCxnSpPr>
         <p:spPr>
           <a:xfrm flipV="1">
-            <a:off x="2883836" y="4612378"/>
+            <a:off x="2883836" y="5269614"/>
             <a:ext cx="1161977" cy="69"/>
           </a:xfrm>
           <a:prstGeom prst="line">
@@ -4051,7 +4040,7 @@
         </p:nvSpPr>
         <p:spPr>
           <a:xfrm>
-            <a:off x="3288600" y="4284223"/>
+            <a:off x="3288600" y="4941459"/>
             <a:ext cx="757213" cy="369332"/>
           </a:xfrm>
           <a:prstGeom prst="rect">
@@ -4094,7 +4083,7 @@
         </p:nvSpPr>
         <p:spPr>
           <a:xfrm>
-            <a:off x="50233" y="3107349"/>
+            <a:off x="50233" y="2793013"/>
             <a:ext cx="910986" cy="369332"/>
           </a:xfrm>
           <a:prstGeom prst="rect">
@@ -4137,7 +4126,7 @@
         </p:nvSpPr>
         <p:spPr>
           <a:xfrm>
-            <a:off x="3129102" y="3107349"/>
+            <a:off x="3129102" y="2793013"/>
             <a:ext cx="910986" cy="369332"/>
           </a:xfrm>
           <a:prstGeom prst="rect">
@@ -4180,7 +4169,7 @@
         </p:nvCxnSpPr>
         <p:spPr>
           <a:xfrm flipV="1">
-            <a:off x="2883836" y="1355628"/>
+            <a:off x="2883836" y="1041292"/>
             <a:ext cx="1161977" cy="1781794"/>
           </a:xfrm>
           <a:prstGeom prst="line">
@@ -4209,8 +4198,8 @@
           </a:fontRef>
         </p:style>
       </p:cxnSp>
-      <mc:AlternateContent xmlns:mc="http://schemas.openxmlformats.org/markup-compatibility/2006">
-        <mc:Choice xmlns:a14="http://schemas.microsoft.com/office/drawing/2010/main" Requires="a14">
+      <mc:AlternateContent xmlns:mc="http://schemas.openxmlformats.org/markup-compatibility/2006" xmlns:a14="http://schemas.microsoft.com/office/drawing/2010/main">
+        <mc:Choice Requires="a14">
           <p:sp>
             <p:nvSpPr>
               <p:cNvPr id="49" name="TextBox 48"/>
@@ -4219,7 +4208,7 @@
             </p:nvSpPr>
             <p:spPr>
               <a:xfrm>
-                <a:off x="435530" y="5181274"/>
+                <a:off x="692714" y="5995678"/>
                 <a:ext cx="6088428" cy="438453"/>
               </a:xfrm>
               <a:prstGeom prst="rect">
@@ -4471,7 +4460,7 @@
             </p:txBody>
           </p:sp>
         </mc:Choice>
-        <mc:Fallback>
+        <mc:Fallback xmlns="">
           <p:sp>
             <p:nvSpPr>
               <p:cNvPr id="49" name="TextBox 48"/>
@@ -4482,7 +4471,7 @@
             </p:nvSpPr>
             <p:spPr>
               <a:xfrm>
-                <a:off x="435530" y="5181274"/>
+                <a:off x="692714" y="5995678"/>
                 <a:ext cx="6088428" cy="438453"/>
               </a:xfrm>
               <a:prstGeom prst="rect">
@@ -4491,7 +4480,7 @@
               <a:blipFill rotWithShape="0">
                 <a:blip r:embed="rId2"/>
                 <a:stretch>
-                  <a:fillRect l="-801" t="-8333" b="-15278"/>
+                  <a:fillRect l="-902" t="-8451" b="-16901"/>
                 </a:stretch>
               </a:blipFill>
             </p:spPr>
@@ -4510,8 +4499,8 @@
           </p:sp>
         </mc:Fallback>
       </mc:AlternateContent>
-      <mc:AlternateContent xmlns:mc="http://schemas.openxmlformats.org/markup-compatibility/2006">
-        <mc:Choice xmlns:a14="http://schemas.microsoft.com/office/drawing/2010/main" Requires="a14">
+      <mc:AlternateContent xmlns:mc="http://schemas.openxmlformats.org/markup-compatibility/2006" xmlns:a14="http://schemas.microsoft.com/office/drawing/2010/main">
+        <mc:Choice Requires="a14">
           <p:sp>
             <p:nvSpPr>
               <p:cNvPr id="52" name="TextBox 51"/>
@@ -4520,7 +4509,7 @@
             </p:nvSpPr>
             <p:spPr>
               <a:xfrm>
-                <a:off x="430002" y="5535395"/>
+                <a:off x="687186" y="6349799"/>
                 <a:ext cx="6327977" cy="424860"/>
               </a:xfrm>
               <a:prstGeom prst="rect">
@@ -4556,15 +4545,7 @@
                     <a:ea typeface="Arial" charset="0"/>
                     <a:cs typeface="Arial" charset="0"/>
                   </a:rPr>
-                  <a:t> </a:t>
-                </a:r>
-                <a:r>
-                  <a:rPr lang="zh-CN" altLang="en-US" b="1" dirty="0" smtClean="0">
-                    <a:latin typeface="Arial" charset="0"/>
-                    <a:ea typeface="Arial" charset="0"/>
-                    <a:cs typeface="Arial" charset="0"/>
-                  </a:rPr>
-                  <a:t>和 </a:t>
+                  <a:t> 和 </a:t>
                 </a:r>
                 <a:r>
                   <a:rPr lang="en-US" b="1" dirty="0" smtClean="0">
@@ -4722,7 +4703,7 @@
             </p:txBody>
           </p:sp>
         </mc:Choice>
-        <mc:Fallback>
+        <mc:Fallback xmlns="">
           <p:sp>
             <p:nvSpPr>
               <p:cNvPr id="52" name="TextBox 51"/>
@@ -4733,7 +4714,7 @@
             </p:nvSpPr>
             <p:spPr>
               <a:xfrm>
-                <a:off x="430002" y="5535395"/>
+                <a:off x="687186" y="6349799"/>
                 <a:ext cx="6327977" cy="424860"/>
               </a:xfrm>
               <a:prstGeom prst="rect">
@@ -4742,7 +4723,7 @@
               <a:blipFill rotWithShape="0">
                 <a:blip r:embed="rId3"/>
                 <a:stretch>
-                  <a:fillRect l="-867" t="-10000" b="-15714"/>
+                  <a:fillRect l="-867" t="-11594" b="-17391"/>
                 </a:stretch>
               </a:blipFill>
             </p:spPr>
